--- a/конспекты к задачам егэ/Простые вычисления.pptx
+++ b/конспекты к задачам егэ/Простые вычисления.pptx
@@ -21,19 +21,18 @@
     <p:sldId id="259" r:id="rId15"/>
     <p:sldId id="260" r:id="rId16"/>
     <p:sldId id="261" r:id="rId17"/>
-    <p:sldId id="262" r:id="rId18"/>
-    <p:sldId id="263" r:id="rId19"/>
-    <p:sldId id="264" r:id="rId20"/>
-    <p:sldId id="265" r:id="rId21"/>
-    <p:sldId id="267" r:id="rId22"/>
-    <p:sldId id="266" r:id="rId23"/>
-    <p:sldId id="268" r:id="rId24"/>
-    <p:sldId id="269" r:id="rId25"/>
-    <p:sldId id="270" r:id="rId26"/>
-    <p:sldId id="271" r:id="rId27"/>
-    <p:sldId id="272" r:id="rId28"/>
-    <p:sldId id="273" r:id="rId29"/>
-    <p:sldId id="274" r:id="rId30"/>
+    <p:sldId id="263" r:id="rId18"/>
+    <p:sldId id="262" r:id="rId19"/>
+    <p:sldId id="265" r:id="rId20"/>
+    <p:sldId id="264" r:id="rId21"/>
+    <p:sldId id="266" r:id="rId22"/>
+    <p:sldId id="267" r:id="rId23"/>
+    <p:sldId id="269" r:id="rId24"/>
+    <p:sldId id="270" r:id="rId25"/>
+    <p:sldId id="271" r:id="rId26"/>
+    <p:sldId id="272" r:id="rId27"/>
+    <p:sldId id="273" r:id="rId28"/>
+    <p:sldId id="274" r:id="rId29"/>
   </p:sldIdLst>
   <p:sldSz cx="9144000" cy="5143500" type="screen16x9"/>
   <p:notesSz cx="6858000" cy="9144000"/>
@@ -132,6 +131,11 @@
       </a:defRPr>
     </a:lvl9pPr>
   </p:defaultTextStyle>
+  <p:extLst>
+    <p:ext uri="{EFAFB233-063F-42B5-8137-9DF3F51BA10A}">
+      <p15:sldGuideLst xmlns:p15="http://schemas.microsoft.com/office/powerpoint/2012/main"/>
+    </p:ext>
+  </p:extLst>
 </p:presentation>
 </file>
 
@@ -7770,7 +7774,7 @@
       </p:grpSpPr>
       <p:sp>
         <p:nvSpPr>
-          <p:cNvPr id="65" name="PlaceHolder 1"/>
+          <p:cNvPr id="63" name="PlaceHolder 1"/>
           <p:cNvSpPr>
             <a:spLocks noGrp="1"/>
           </p:cNvSpPr>
@@ -7798,38 +7802,32 @@
           <a:lstStyle/>
           <a:p>
             <a:pPr indent="0">
-              <a:lnSpc>
-                <a:spcPct val="100000"/>
-              </a:lnSpc>
               <a:buNone/>
-              <a:tabLst>
-                <a:tab pos="0" algn="l"/>
-              </a:tabLst>
-            </a:pPr>
-            <a:r>
-              <a:rPr lang="ru" sz="3000" b="0" u="none" strike="noStrike">
+            </a:pPr>
+            <a:r>
+              <a:rPr lang="ru-RU" sz="3000" dirty="0">
                 <a:solidFill>
                   <a:schemeClr val="dk2"/>
                 </a:solidFill>
-                <a:uFillTx/>
                 <a:latin typeface="Oswald"/>
                 <a:ea typeface="Oswald"/>
               </a:rPr>
-              <a:t>Задача 3</a:t>
-            </a:r>
-            <a:endParaRPr lang="ru-RU" sz="3000" b="0" u="none" strike="noStrike">
+              <a:t>Кодирование звуковой информации</a:t>
+            </a:r>
+            <a:endParaRPr lang="ru-RU" sz="3000" b="0" u="none" strike="noStrike" dirty="0">
               <a:solidFill>
-                <a:srgbClr val="000000"/>
+                <a:schemeClr val="dk2"/>
               </a:solidFill>
               <a:uFillTx/>
-              <a:latin typeface="Arial"/>
+              <a:latin typeface="Oswald"/>
+              <a:ea typeface="Oswald"/>
             </a:endParaRPr>
           </a:p>
         </p:txBody>
       </p:sp>
       <p:sp>
         <p:nvSpPr>
-          <p:cNvPr id="66" name="PlaceHolder 2"/>
+          <p:cNvPr id="64" name="PlaceHolder 2"/>
           <p:cNvSpPr>
             <a:spLocks noGrp="1"/>
           </p:cNvSpPr>
@@ -7857,34 +7855,210 @@
           <a:lstStyle/>
           <a:p>
             <a:pPr indent="0">
-              <a:lnSpc>
-                <a:spcPct val="115000"/>
-              </a:lnSpc>
-              <a:spcAft>
-                <a:spcPts val="1199"/>
-              </a:spcAft>
+              <a:spcBef>
+                <a:spcPts val="1417"/>
+              </a:spcBef>
               <a:buNone/>
-              <a:tabLst>
-                <a:tab pos="0" algn="l"/>
-              </a:tabLst>
-            </a:pPr>
-            <a:r>
-              <a:rPr lang="ru" sz="1800" b="0" u="none" strike="noStrike">
+            </a:pPr>
+            <a:r>
+              <a:rPr lang="en-US" sz="2800" dirty="0">
                 <a:solidFill>
                   <a:schemeClr val="dk2"/>
                 </a:solidFill>
-                <a:uFillTx/>
-                <a:latin typeface="Source Code Pro"/>
+                <a:latin typeface="Oswald" panose="00000500000000000000" pitchFamily="2" charset="-52"/>
                 <a:ea typeface="Source Code Pro"/>
               </a:rPr>
-              <a:t>Производилась двухканальная (стерео) звукозапись с частотой дискретизации 44.1 кГц и 24-битным разрешением. В результате был получен файл размером 136 Мбайт, без учета размера заголовка и без сжатия данных. Определите длительность(в минутах). В качестве ответа укажите ближайшее к времени записи целое число.</a:t>
-            </a:r>
-            <a:endParaRPr lang="ru-RU" sz="1800" b="0" u="none" strike="noStrike">
+              <a:t>I = f * </a:t>
+            </a:r>
+            <a:r>
+              <a:rPr lang="en-US" sz="2800" dirty="0" err="1">
+                <a:solidFill>
+                  <a:schemeClr val="dk2"/>
+                </a:solidFill>
+                <a:latin typeface="Oswald" panose="00000500000000000000" pitchFamily="2" charset="-52"/>
+                <a:ea typeface="Source Code Pro"/>
+              </a:rPr>
+              <a:t>i</a:t>
+            </a:r>
+            <a:r>
+              <a:rPr lang="en-US" sz="2800" dirty="0">
+                <a:solidFill>
+                  <a:schemeClr val="dk2"/>
+                </a:solidFill>
+                <a:latin typeface="Oswald" panose="00000500000000000000" pitchFamily="2" charset="-52"/>
+                <a:ea typeface="Source Code Pro"/>
+              </a:rPr>
+              <a:t> * t * k </a:t>
+            </a:r>
+            <a:r>
+              <a:rPr lang="ru-RU" sz="2800" dirty="0">
+                <a:solidFill>
+                  <a:schemeClr val="dk2"/>
+                </a:solidFill>
+                <a:latin typeface="Oswald" panose="00000500000000000000" pitchFamily="2" charset="-52"/>
+                <a:ea typeface="Source Code Pro"/>
+              </a:rPr>
+              <a:t> - объем звукового файла</a:t>
+            </a:r>
+            <a:endParaRPr lang="en-US" sz="2800" dirty="0">
               <a:solidFill>
-                <a:srgbClr val="000000"/>
+                <a:schemeClr val="dk2"/>
+              </a:solidFill>
+              <a:latin typeface="Oswald" panose="00000500000000000000" pitchFamily="2" charset="-52"/>
+              <a:ea typeface="Source Code Pro"/>
+            </a:endParaRPr>
+          </a:p>
+          <a:p>
+            <a:pPr indent="0">
+              <a:spcBef>
+                <a:spcPts val="1417"/>
+              </a:spcBef>
+              <a:buNone/>
+            </a:pPr>
+            <a:r>
+              <a:rPr lang="en-US" sz="2800" dirty="0">
+                <a:solidFill>
+                  <a:schemeClr val="dk2"/>
+                </a:solidFill>
+                <a:latin typeface="Oswald" panose="00000500000000000000" pitchFamily="2" charset="-52"/>
+                <a:ea typeface="Source Code Pro"/>
+              </a:rPr>
+              <a:t>f – </a:t>
+            </a:r>
+            <a:r>
+              <a:rPr lang="ru-RU" sz="2800" dirty="0">
+                <a:solidFill>
+                  <a:schemeClr val="dk2"/>
+                </a:solidFill>
+                <a:latin typeface="Oswald" panose="00000500000000000000" pitchFamily="2" charset="-52"/>
+                <a:ea typeface="Source Code Pro"/>
+              </a:rPr>
+              <a:t>частота дискретизации в Гц </a:t>
+            </a:r>
+          </a:p>
+          <a:p>
+            <a:pPr indent="0">
+              <a:spcBef>
+                <a:spcPts val="1417"/>
+              </a:spcBef>
+              <a:buNone/>
+            </a:pPr>
+            <a:r>
+              <a:rPr lang="en-US" sz="2800" b="0" u="none" strike="noStrike" dirty="0" err="1">
+                <a:solidFill>
+                  <a:schemeClr val="dk2"/>
+                </a:solidFill>
+                <a:uFillTx/>
+                <a:latin typeface="Oswald" panose="00000500000000000000" pitchFamily="2" charset="-52"/>
+                <a:ea typeface="Source Code Pro"/>
+              </a:rPr>
+              <a:t>i</a:t>
+            </a:r>
+            <a:r>
+              <a:rPr lang="en-US" sz="2800" b="0" u="none" strike="noStrike" dirty="0">
+                <a:solidFill>
+                  <a:schemeClr val="dk2"/>
+                </a:solidFill>
+                <a:uFillTx/>
+                <a:latin typeface="Oswald" panose="00000500000000000000" pitchFamily="2" charset="-52"/>
+                <a:ea typeface="Source Code Pro"/>
+              </a:rPr>
+              <a:t> – </a:t>
+            </a:r>
+            <a:r>
+              <a:rPr lang="ru-RU" sz="2800" b="0" u="none" strike="noStrike" dirty="0">
+                <a:solidFill>
+                  <a:schemeClr val="dk2"/>
+                </a:solidFill>
+                <a:uFillTx/>
+                <a:latin typeface="Oswald" panose="00000500000000000000" pitchFamily="2" charset="-52"/>
+                <a:ea typeface="Source Code Pro"/>
+              </a:rPr>
+              <a:t>глубина кодирования в битах </a:t>
+            </a:r>
+          </a:p>
+          <a:p>
+            <a:pPr indent="0">
+              <a:spcBef>
+                <a:spcPts val="1417"/>
+              </a:spcBef>
+              <a:buNone/>
+            </a:pPr>
+            <a:r>
+              <a:rPr lang="en-US" sz="2800" dirty="0">
+                <a:solidFill>
+                  <a:schemeClr val="dk2"/>
+                </a:solidFill>
+                <a:latin typeface="Oswald" panose="00000500000000000000" pitchFamily="2" charset="-52"/>
+                <a:ea typeface="Source Code Pro"/>
+              </a:rPr>
+              <a:t>t – </a:t>
+            </a:r>
+            <a:r>
+              <a:rPr lang="ru-RU" sz="2800" dirty="0">
+                <a:solidFill>
+                  <a:schemeClr val="dk2"/>
+                </a:solidFill>
+                <a:latin typeface="Oswald" panose="00000500000000000000" pitchFamily="2" charset="-52"/>
+                <a:ea typeface="Source Code Pro"/>
+              </a:rPr>
+              <a:t>время звукозаписи в секундах</a:t>
+            </a:r>
+          </a:p>
+          <a:p>
+            <a:pPr indent="0">
+              <a:spcBef>
+                <a:spcPts val="1417"/>
+              </a:spcBef>
+              <a:buNone/>
+            </a:pPr>
+            <a:r>
+              <a:rPr lang="en-US" sz="2800" dirty="0">
+                <a:solidFill>
+                  <a:schemeClr val="dk2"/>
+                </a:solidFill>
+                <a:latin typeface="Oswald" panose="00000500000000000000" pitchFamily="2" charset="-52"/>
+                <a:ea typeface="Source Code Pro"/>
+              </a:rPr>
+              <a:t>k </a:t>
+            </a:r>
+            <a:r>
+              <a:rPr lang="ru-RU" sz="2800" dirty="0">
+                <a:solidFill>
+                  <a:schemeClr val="dk2"/>
+                </a:solidFill>
+                <a:latin typeface="Oswald" panose="00000500000000000000" pitchFamily="2" charset="-52"/>
+                <a:ea typeface="Source Code Pro"/>
+              </a:rPr>
+              <a:t>– кол-во каналов (моно -1, стерео -2, </a:t>
+            </a:r>
+            <a:r>
+              <a:rPr lang="ru-RU" sz="2800" dirty="0" err="1">
+                <a:solidFill>
+                  <a:schemeClr val="dk2"/>
+                </a:solidFill>
+                <a:latin typeface="Oswald" panose="00000500000000000000" pitchFamily="2" charset="-52"/>
+                <a:ea typeface="Source Code Pro"/>
+              </a:rPr>
+              <a:t>квадро</a:t>
+            </a:r>
+            <a:r>
+              <a:rPr lang="ru-RU" sz="2800" dirty="0">
+                <a:solidFill>
+                  <a:schemeClr val="dk2"/>
+                </a:solidFill>
+                <a:latin typeface="Oswald" panose="00000500000000000000" pitchFamily="2" charset="-52"/>
+                <a:ea typeface="Source Code Pro"/>
+              </a:rPr>
+              <a:t> -4)</a:t>
+            </a:r>
+            <a:endParaRPr lang="ru-RU" sz="2800" b="0" u="none" strike="noStrike" dirty="0">
+              <a:solidFill>
+                <a:schemeClr val="dk2"/>
               </a:solidFill>
               <a:uFillTx/>
-              <a:latin typeface="Arial"/>
+              <a:latin typeface="Oswald" panose="00000500000000000000" pitchFamily="2" charset="-52"/>
+              <a:ea typeface="Source Code Pro"/>
             </a:endParaRPr>
           </a:p>
         </p:txBody>
@@ -7898,6 +8072,368 @@
 </file>
 
 <file path=ppt/slides/slide11.xml><?xml version="1.0" encoding="utf-8"?>
+<p:sld xmlns:a="http://schemas.openxmlformats.org/drawingml/2006/main" xmlns:r="http://schemas.openxmlformats.org/officeDocument/2006/relationships" xmlns:p="http://schemas.openxmlformats.org/presentationml/2006/main">
+  <p:cSld>
+    <p:spTree>
+      <p:nvGrpSpPr>
+        <p:cNvPr id="1" name="">
+          <a:extLst>
+            <a:ext uri="{FF2B5EF4-FFF2-40B4-BE49-F238E27FC236}">
+              <a16:creationId xmlns:a16="http://schemas.microsoft.com/office/drawing/2014/main" id="{0498662A-7D20-37C7-A77F-46BC3ABE4013}"/>
+            </a:ext>
+          </a:extLst>
+        </p:cNvPr>
+        <p:cNvGrpSpPr/>
+        <p:nvPr/>
+      </p:nvGrpSpPr>
+      <p:grpSpPr>
+        <a:xfrm>
+          <a:off x="0" y="0"/>
+          <a:ext cx="0" cy="0"/>
+          <a:chOff x="0" y="0"/>
+          <a:chExt cx="0" cy="0"/>
+        </a:xfrm>
+      </p:grpSpPr>
+      <p:sp>
+        <p:nvSpPr>
+          <p:cNvPr id="65" name="PlaceHolder 1">
+            <a:extLst>
+              <a:ext uri="{FF2B5EF4-FFF2-40B4-BE49-F238E27FC236}">
+                <a16:creationId xmlns:a16="http://schemas.microsoft.com/office/drawing/2014/main" id="{93E170A3-47F5-4262-1882-1A3483A7F071}"/>
+              </a:ext>
+            </a:extLst>
+          </p:cNvPr>
+          <p:cNvSpPr>
+            <a:spLocks noGrp="1"/>
+          </p:cNvSpPr>
+          <p:nvPr>
+            <p:ph type="title"/>
+          </p:nvPr>
+        </p:nvSpPr>
+        <p:spPr>
+          <a:xfrm>
+            <a:off x="311760" y="372600"/>
+            <a:ext cx="8520120" cy="733320"/>
+          </a:xfrm>
+          <a:prstGeom prst="rect">
+            <a:avLst/>
+          </a:prstGeom>
+          <a:noFill/>
+          <a:ln w="0">
+            <a:noFill/>
+          </a:ln>
+        </p:spPr>
+        <p:txBody>
+          <a:bodyPr lIns="91440" tIns="91440" rIns="91440" bIns="91440" anchor="b">
+            <a:normAutofit/>
+          </a:bodyPr>
+          <a:lstStyle/>
+          <a:p>
+            <a:pPr indent="0">
+              <a:lnSpc>
+                <a:spcPct val="100000"/>
+              </a:lnSpc>
+              <a:buNone/>
+              <a:tabLst>
+                <a:tab pos="0" algn="l"/>
+              </a:tabLst>
+            </a:pPr>
+            <a:r>
+              <a:rPr lang="ru" sz="3000" b="0" u="none" strike="noStrike" dirty="0">
+                <a:solidFill>
+                  <a:schemeClr val="dk2"/>
+                </a:solidFill>
+                <a:uFillTx/>
+                <a:latin typeface="Oswald"/>
+                <a:ea typeface="Oswald"/>
+              </a:rPr>
+              <a:t>Задача </a:t>
+            </a:r>
+            <a:r>
+              <a:rPr lang="en-US" sz="3000" b="0" u="none" strike="noStrike" dirty="0">
+                <a:solidFill>
+                  <a:schemeClr val="dk2"/>
+                </a:solidFill>
+                <a:uFillTx/>
+                <a:latin typeface="Oswald"/>
+                <a:ea typeface="Oswald"/>
+              </a:rPr>
+              <a:t>4</a:t>
+            </a:r>
+            <a:endParaRPr lang="ru-RU" sz="3000" b="0" u="none" strike="noStrike" dirty="0">
+              <a:solidFill>
+                <a:srgbClr val="000000"/>
+              </a:solidFill>
+              <a:uFillTx/>
+              <a:latin typeface="Arial"/>
+            </a:endParaRPr>
+          </a:p>
+        </p:txBody>
+      </p:sp>
+      <p:sp>
+        <p:nvSpPr>
+          <p:cNvPr id="66" name="PlaceHolder 2">
+            <a:extLst>
+              <a:ext uri="{FF2B5EF4-FFF2-40B4-BE49-F238E27FC236}">
+                <a16:creationId xmlns:a16="http://schemas.microsoft.com/office/drawing/2014/main" id="{395BA46D-6372-5BE1-9165-71ED9CA35B49}"/>
+              </a:ext>
+            </a:extLst>
+          </p:cNvPr>
+          <p:cNvSpPr>
+            <a:spLocks noGrp="1"/>
+          </p:cNvSpPr>
+          <p:nvPr>
+            <p:ph/>
+          </p:nvPr>
+        </p:nvSpPr>
+        <p:spPr>
+          <a:xfrm>
+            <a:off x="311760" y="1468800"/>
+            <a:ext cx="8520120" cy="3099600"/>
+          </a:xfrm>
+          <a:prstGeom prst="rect">
+            <a:avLst/>
+          </a:prstGeom>
+          <a:noFill/>
+          <a:ln w="0">
+            <a:noFill/>
+          </a:ln>
+        </p:spPr>
+        <p:txBody>
+          <a:bodyPr lIns="91440" tIns="91440" rIns="91440" bIns="91440" anchor="t">
+            <a:normAutofit/>
+          </a:bodyPr>
+          <a:lstStyle/>
+          <a:p>
+            <a:pPr indent="0">
+              <a:lnSpc>
+                <a:spcPct val="115000"/>
+              </a:lnSpc>
+              <a:spcAft>
+                <a:spcPts val="1199"/>
+              </a:spcAft>
+              <a:buNone/>
+              <a:tabLst>
+                <a:tab pos="0" algn="l"/>
+              </a:tabLst>
+            </a:pPr>
+            <a:r>
+              <a:rPr lang="ru-RU" sz="1800" b="0" u="none" strike="noStrike" dirty="0">
+                <a:solidFill>
+                  <a:schemeClr val="dk2"/>
+                </a:solidFill>
+                <a:uFillTx/>
+                <a:latin typeface="Source Code Pro"/>
+                <a:ea typeface="Source Code Pro"/>
+              </a:rPr>
+              <a:t>Значение арифметического выражения: </a:t>
+            </a:r>
+          </a:p>
+          <a:p>
+            <a:pPr indent="0">
+              <a:lnSpc>
+                <a:spcPct val="115000"/>
+              </a:lnSpc>
+              <a:spcAft>
+                <a:spcPts val="1199"/>
+              </a:spcAft>
+              <a:buNone/>
+              <a:tabLst>
+                <a:tab pos="0" algn="l"/>
+              </a:tabLst>
+            </a:pPr>
+            <a:r>
+              <a:rPr lang="ru-RU" sz="1800" b="1" u="none" strike="noStrike" dirty="0">
+                <a:solidFill>
+                  <a:schemeClr val="dk2"/>
+                </a:solidFill>
+                <a:uFillTx/>
+                <a:latin typeface="Source Code Pro"/>
+                <a:ea typeface="Source Code Pro"/>
+              </a:rPr>
+              <a:t>3*4</a:t>
+            </a:r>
+            <a:r>
+              <a:rPr lang="ru-RU" sz="1800" b="1" u="none" strike="noStrike" baseline="30000" dirty="0">
+                <a:solidFill>
+                  <a:schemeClr val="dk2"/>
+                </a:solidFill>
+                <a:uFillTx/>
+                <a:latin typeface="Source Code Pro"/>
+                <a:ea typeface="Source Code Pro"/>
+              </a:rPr>
+              <a:t>38</a:t>
+            </a:r>
+            <a:r>
+              <a:rPr lang="ru-RU" sz="1800" b="1" u="none" strike="noStrike" dirty="0">
+                <a:solidFill>
+                  <a:schemeClr val="dk2"/>
+                </a:solidFill>
+                <a:uFillTx/>
+                <a:latin typeface="Source Code Pro"/>
+                <a:ea typeface="Source Code Pro"/>
+              </a:rPr>
+              <a:t>+2*4</a:t>
+            </a:r>
+            <a:r>
+              <a:rPr lang="ru-RU" sz="1800" b="1" u="none" strike="noStrike" baseline="30000" dirty="0">
+                <a:solidFill>
+                  <a:schemeClr val="dk2"/>
+                </a:solidFill>
+                <a:uFillTx/>
+                <a:latin typeface="Source Code Pro"/>
+                <a:ea typeface="Source Code Pro"/>
+              </a:rPr>
+              <a:t>23</a:t>
+            </a:r>
+            <a:r>
+              <a:rPr lang="ru-RU" sz="1800" b="1" u="none" strike="noStrike" dirty="0">
+                <a:solidFill>
+                  <a:schemeClr val="dk2"/>
+                </a:solidFill>
+                <a:uFillTx/>
+                <a:latin typeface="Source Code Pro"/>
+                <a:ea typeface="Source Code Pro"/>
+              </a:rPr>
+              <a:t>+4</a:t>
+            </a:r>
+            <a:r>
+              <a:rPr lang="ru-RU" sz="1800" b="1" u="none" strike="noStrike" baseline="30000" dirty="0">
+                <a:solidFill>
+                  <a:schemeClr val="dk2"/>
+                </a:solidFill>
+                <a:uFillTx/>
+                <a:latin typeface="Source Code Pro"/>
+                <a:ea typeface="Source Code Pro"/>
+              </a:rPr>
+              <a:t>20</a:t>
+            </a:r>
+            <a:r>
+              <a:rPr lang="ru-RU" sz="1800" b="1" u="none" strike="noStrike" dirty="0">
+                <a:solidFill>
+                  <a:schemeClr val="dk2"/>
+                </a:solidFill>
+                <a:uFillTx/>
+                <a:latin typeface="Source Code Pro"/>
+                <a:ea typeface="Source Code Pro"/>
+              </a:rPr>
+              <a:t>+3*4</a:t>
+            </a:r>
+            <a:r>
+              <a:rPr lang="ru-RU" sz="1800" b="1" u="none" strike="noStrike" baseline="30000" dirty="0">
+                <a:solidFill>
+                  <a:schemeClr val="dk2"/>
+                </a:solidFill>
+                <a:uFillTx/>
+                <a:latin typeface="Source Code Pro"/>
+                <a:ea typeface="Source Code Pro"/>
+              </a:rPr>
+              <a:t>5</a:t>
+            </a:r>
+            <a:r>
+              <a:rPr lang="ru-RU" sz="1800" b="1" u="none" strike="noStrike" dirty="0">
+                <a:solidFill>
+                  <a:schemeClr val="dk2"/>
+                </a:solidFill>
+                <a:uFillTx/>
+                <a:latin typeface="Source Code Pro"/>
+                <a:ea typeface="Source Code Pro"/>
+              </a:rPr>
+              <a:t>+2*4</a:t>
+            </a:r>
+            <a:r>
+              <a:rPr lang="ru-RU" sz="1800" b="1" u="none" strike="noStrike" baseline="30000" dirty="0">
+                <a:solidFill>
+                  <a:schemeClr val="dk2"/>
+                </a:solidFill>
+                <a:uFillTx/>
+                <a:latin typeface="Source Code Pro"/>
+                <a:ea typeface="Source Code Pro"/>
+              </a:rPr>
+              <a:t>4</a:t>
+            </a:r>
+            <a:r>
+              <a:rPr lang="ru-RU" sz="1800" b="1" u="none" strike="noStrike" dirty="0">
+                <a:solidFill>
+                  <a:schemeClr val="dk2"/>
+                </a:solidFill>
+                <a:uFillTx/>
+                <a:latin typeface="Source Code Pro"/>
+                <a:ea typeface="Source Code Pro"/>
+              </a:rPr>
+              <a:t>+1</a:t>
+            </a:r>
+            <a:r>
+              <a:rPr lang="ru-RU" sz="1800" b="0" u="none" strike="noStrike" dirty="0">
+                <a:solidFill>
+                  <a:schemeClr val="dk2"/>
+                </a:solidFill>
+                <a:uFillTx/>
+                <a:latin typeface="Source Code Pro"/>
+                <a:ea typeface="Source Code Pro"/>
+              </a:rPr>
+              <a:t> – записали в системе счисления с основанием </a:t>
+            </a:r>
+            <a:r>
+              <a:rPr lang="en-US" sz="1800" b="0" u="none" strike="noStrike" dirty="0">
+                <a:solidFill>
+                  <a:schemeClr val="dk2"/>
+                </a:solidFill>
+                <a:uFillTx/>
+                <a:latin typeface="Source Code Pro"/>
+                <a:ea typeface="Source Code Pro"/>
+              </a:rPr>
+              <a:t>16</a:t>
+            </a:r>
+            <a:r>
+              <a:rPr lang="ru-RU" sz="1800" b="0" u="none" strike="noStrike" dirty="0">
+                <a:solidFill>
+                  <a:schemeClr val="dk2"/>
+                </a:solidFill>
+                <a:uFillTx/>
+                <a:latin typeface="Source Code Pro"/>
+                <a:ea typeface="Source Code Pro"/>
+              </a:rPr>
+              <a:t>. Сколько </a:t>
+            </a:r>
+            <a:r>
+              <a:rPr lang="ru-RU" sz="1800" dirty="0">
+                <a:solidFill>
+                  <a:schemeClr val="dk2"/>
+                </a:solidFill>
+                <a:latin typeface="Source Code Pro"/>
+                <a:ea typeface="Source Code Pro"/>
+              </a:rPr>
+              <a:t>значащих нулей </a:t>
+            </a:r>
+            <a:r>
+              <a:rPr lang="ru-RU" sz="1800" b="0" u="none" strike="noStrike" dirty="0">
+                <a:solidFill>
+                  <a:schemeClr val="dk2"/>
+                </a:solidFill>
+                <a:uFillTx/>
+                <a:latin typeface="Source Code Pro"/>
+                <a:ea typeface="Source Code Pro"/>
+              </a:rPr>
+              <a:t>содержится в этой записи?</a:t>
+            </a:r>
+          </a:p>
+        </p:txBody>
+      </p:sp>
+    </p:spTree>
+    <p:extLst>
+      <p:ext uri="{BB962C8B-B14F-4D97-AF65-F5344CB8AC3E}">
+        <p14:creationId xmlns:p14="http://schemas.microsoft.com/office/powerpoint/2010/main" val="1226390506"/>
+      </p:ext>
+    </p:extLst>
+  </p:cSld>
+  <p:clrMapOvr>
+    <a:masterClrMapping/>
+  </p:clrMapOvr>
+</p:sld>
+</file>
+
+<file path=ppt/slides/slide12.xml><?xml version="1.0" encoding="utf-8"?>
 <p:sld xmlns:a="http://schemas.openxmlformats.org/drawingml/2006/main" xmlns:r="http://schemas.openxmlformats.org/officeDocument/2006/relationships" xmlns:p="http://schemas.openxmlformats.org/presentationml/2006/main">
   <p:cSld>
     <p:spTree>
@@ -7958,7 +8494,17 @@
             <a:pPr indent="0">
               <a:buNone/>
             </a:pPr>
-            <a:endParaRPr lang="ru-RU" sz="3000" b="0" u="none" strike="noStrike">
+            <a:r>
+              <a:rPr lang="ru-RU" sz="3000" dirty="0">
+                <a:solidFill>
+                  <a:schemeClr val="dk2"/>
+                </a:solidFill>
+                <a:latin typeface="Oswald"/>
+                <a:ea typeface="Oswald"/>
+              </a:rPr>
+              <a:t>Функция для перевода из 10 СС в любую другую СС</a:t>
+            </a:r>
+            <a:endParaRPr lang="ru-RU" sz="3000" b="0" u="none" strike="noStrike" dirty="0">
               <a:solidFill>
                 <a:schemeClr val="dk2"/>
               </a:solidFill>
@@ -7987,8 +8533,8 @@
         </p:nvSpPr>
         <p:spPr>
           <a:xfrm>
-            <a:off x="311760" y="1468800"/>
-            <a:ext cx="8520120" cy="3099600"/>
+            <a:off x="311760" y="1318437"/>
+            <a:ext cx="8520120" cy="3742661"/>
           </a:xfrm>
           <a:prstGeom prst="rect">
             <a:avLst/>
@@ -8010,7 +8556,280 @@
               </a:spcBef>
               <a:buNone/>
             </a:pPr>
-            <a:endParaRPr lang="ru-RU" sz="1800" b="0" u="none" strike="noStrike">
+            <a:r>
+              <a:rPr lang="en-US" sz="1800" b="0" u="none" strike="noStrike" dirty="0">
+                <a:solidFill>
+                  <a:schemeClr val="dk2"/>
+                </a:solidFill>
+                <a:uFillTx/>
+                <a:latin typeface="Source Code Pro"/>
+                <a:ea typeface="Source Code Pro"/>
+              </a:rPr>
+              <a:t>def f(</a:t>
+            </a:r>
+            <a:r>
+              <a:rPr lang="en-US" sz="1800" b="0" u="none" strike="noStrike" dirty="0" err="1">
+                <a:solidFill>
+                  <a:schemeClr val="dk2"/>
+                </a:solidFill>
+                <a:uFillTx/>
+                <a:latin typeface="Source Code Pro"/>
+                <a:ea typeface="Source Code Pro"/>
+              </a:rPr>
+              <a:t>x,n</a:t>
+            </a:r>
+            <a:r>
+              <a:rPr lang="en-US" sz="1800" b="0" u="none" strike="noStrike" dirty="0">
+                <a:solidFill>
+                  <a:schemeClr val="dk2"/>
+                </a:solidFill>
+                <a:uFillTx/>
+                <a:latin typeface="Source Code Pro"/>
+                <a:ea typeface="Source Code Pro"/>
+              </a:rPr>
+              <a:t>):</a:t>
+            </a:r>
+          </a:p>
+          <a:p>
+            <a:pPr indent="0">
+              <a:spcBef>
+                <a:spcPts val="1417"/>
+              </a:spcBef>
+              <a:buNone/>
+            </a:pPr>
+            <a:r>
+              <a:rPr lang="en-US" sz="1800" dirty="0">
+                <a:solidFill>
+                  <a:schemeClr val="dk2"/>
+                </a:solidFill>
+                <a:latin typeface="Source Code Pro"/>
+                <a:ea typeface="Source Code Pro"/>
+              </a:rPr>
+              <a:t>	r=‘’</a:t>
+            </a:r>
+            <a:endParaRPr lang="en-US" sz="1800" b="0" u="none" strike="noStrike" dirty="0">
+              <a:solidFill>
+                <a:schemeClr val="dk2"/>
+              </a:solidFill>
+              <a:uFillTx/>
+              <a:latin typeface="Source Code Pro"/>
+              <a:ea typeface="Source Code Pro"/>
+            </a:endParaRPr>
+          </a:p>
+          <a:p>
+            <a:pPr indent="0">
+              <a:spcBef>
+                <a:spcPts val="1417"/>
+              </a:spcBef>
+              <a:buNone/>
+            </a:pPr>
+            <a:r>
+              <a:rPr lang="en-US" sz="1800" dirty="0">
+                <a:solidFill>
+                  <a:schemeClr val="dk2"/>
+                </a:solidFill>
+                <a:latin typeface="Source Code Pro"/>
+                <a:ea typeface="Source Code Pro"/>
+              </a:rPr>
+              <a:t>	while x&gt;0:</a:t>
+            </a:r>
+          </a:p>
+          <a:p>
+            <a:pPr indent="0">
+              <a:spcBef>
+                <a:spcPts val="1417"/>
+              </a:spcBef>
+              <a:buNone/>
+            </a:pPr>
+            <a:r>
+              <a:rPr lang="en-US" sz="1800" b="0" u="none" strike="noStrike" dirty="0">
+                <a:solidFill>
+                  <a:schemeClr val="dk2"/>
+                </a:solidFill>
+                <a:uFillTx/>
+                <a:latin typeface="Source Code Pro"/>
+                <a:ea typeface="Source Code Pro"/>
+              </a:rPr>
+              <a:t>		r=str(</a:t>
+            </a:r>
+            <a:r>
+              <a:rPr lang="en-US" sz="1800" b="0" u="none" strike="noStrike" dirty="0" err="1">
+                <a:solidFill>
+                  <a:schemeClr val="dk2"/>
+                </a:solidFill>
+                <a:uFillTx/>
+                <a:latin typeface="Source Code Pro"/>
+                <a:ea typeface="Source Code Pro"/>
+              </a:rPr>
+              <a:t>x%n</a:t>
+            </a:r>
+            <a:r>
+              <a:rPr lang="en-US" sz="1800" b="0" u="none" strike="noStrike" dirty="0">
+                <a:solidFill>
+                  <a:schemeClr val="dk2"/>
+                </a:solidFill>
+                <a:uFillTx/>
+                <a:latin typeface="Source Code Pro"/>
+                <a:ea typeface="Source Code Pro"/>
+              </a:rPr>
+              <a:t>)+r</a:t>
+            </a:r>
+          </a:p>
+          <a:p>
+            <a:pPr indent="0">
+              <a:spcBef>
+                <a:spcPts val="1417"/>
+              </a:spcBef>
+              <a:buNone/>
+            </a:pPr>
+            <a:r>
+              <a:rPr lang="en-US" sz="1800" dirty="0">
+                <a:solidFill>
+                  <a:schemeClr val="dk2"/>
+                </a:solidFill>
+                <a:latin typeface="Source Code Pro"/>
+                <a:ea typeface="Source Code Pro"/>
+              </a:rPr>
+              <a:t>		x//=n</a:t>
+            </a:r>
+          </a:p>
+          <a:p>
+            <a:pPr indent="0">
+              <a:spcBef>
+                <a:spcPts val="1417"/>
+              </a:spcBef>
+              <a:buNone/>
+            </a:pPr>
+            <a:r>
+              <a:rPr lang="en-US" sz="1800" b="0" u="none" strike="noStrike" dirty="0">
+                <a:solidFill>
+                  <a:schemeClr val="dk2"/>
+                </a:solidFill>
+                <a:uFillTx/>
+                <a:latin typeface="Source Code Pro"/>
+                <a:ea typeface="Source Code Pro"/>
+              </a:rPr>
+              <a:t>	return r</a:t>
+            </a:r>
+          </a:p>
+          <a:p>
+            <a:pPr indent="0">
+              <a:spcBef>
+                <a:spcPts val="1417"/>
+              </a:spcBef>
+              <a:buNone/>
+            </a:pPr>
+            <a:r>
+              <a:rPr lang="ru-RU" sz="1800" b="0" u="none" strike="noStrike" dirty="0">
+                <a:solidFill>
+                  <a:schemeClr val="dk2"/>
+                </a:solidFill>
+                <a:uFillTx/>
+                <a:latin typeface="Source Code Pro"/>
+                <a:ea typeface="Source Code Pro"/>
+              </a:rPr>
+              <a:t>Пояснение: </a:t>
+            </a:r>
+            <a:r>
+              <a:rPr lang="en-US" sz="1800" b="0" u="none" strike="noStrike" dirty="0">
+                <a:solidFill>
+                  <a:schemeClr val="dk2"/>
+                </a:solidFill>
+                <a:uFillTx/>
+                <a:latin typeface="Source Code Pro"/>
+                <a:ea typeface="Source Code Pro"/>
+              </a:rPr>
+              <a:t>	x –</a:t>
+            </a:r>
+            <a:r>
+              <a:rPr lang="ru-RU" sz="1800" b="0" u="none" strike="noStrike" dirty="0">
+                <a:solidFill>
+                  <a:schemeClr val="dk2"/>
+                </a:solidFill>
+                <a:uFillTx/>
+                <a:latin typeface="Source Code Pro"/>
+                <a:ea typeface="Source Code Pro"/>
+              </a:rPr>
+              <a:t> исходное число,</a:t>
+            </a:r>
+            <a:r>
+              <a:rPr lang="en-US" sz="1800" b="0" u="none" strike="noStrike" dirty="0">
+                <a:solidFill>
+                  <a:schemeClr val="dk2"/>
+                </a:solidFill>
+                <a:uFillTx/>
+                <a:latin typeface="Source Code Pro"/>
+                <a:ea typeface="Source Code Pro"/>
+              </a:rPr>
+              <a:t> n –</a:t>
+            </a:r>
+            <a:r>
+              <a:rPr lang="ru-RU" sz="1800" b="0" u="none" strike="noStrike" dirty="0">
+                <a:solidFill>
+                  <a:schemeClr val="dk2"/>
+                </a:solidFill>
+                <a:uFillTx/>
+                <a:latin typeface="Source Code Pro"/>
+                <a:ea typeface="Source Code Pro"/>
+              </a:rPr>
+              <a:t>основание сс, </a:t>
+            </a:r>
+            <a:r>
+              <a:rPr lang="en-US" sz="1800" b="0" u="none" strike="noStrike" dirty="0">
+                <a:solidFill>
+                  <a:schemeClr val="dk2"/>
+                </a:solidFill>
+                <a:uFillTx/>
+                <a:latin typeface="Source Code Pro"/>
+                <a:ea typeface="Source Code Pro"/>
+              </a:rPr>
+              <a:t>r – </a:t>
+            </a:r>
+            <a:r>
+              <a:rPr lang="ru-RU" sz="1800" b="0" u="none" strike="noStrike" dirty="0">
+                <a:solidFill>
+                  <a:schemeClr val="dk2"/>
+                </a:solidFill>
+                <a:uFillTx/>
+                <a:latin typeface="Source Code Pro"/>
+                <a:ea typeface="Source Code Pro"/>
+              </a:rPr>
+              <a:t>строка-результат работы функции, т.е. число </a:t>
+            </a:r>
+            <a:r>
+              <a:rPr lang="en-US" sz="1800" b="0" u="none" strike="noStrike" dirty="0">
+                <a:solidFill>
+                  <a:schemeClr val="dk2"/>
+                </a:solidFill>
+                <a:uFillTx/>
+                <a:latin typeface="Source Code Pro"/>
+                <a:ea typeface="Source Code Pro"/>
+              </a:rPr>
+              <a:t>x </a:t>
+            </a:r>
+            <a:r>
+              <a:rPr lang="ru-RU" sz="1800" b="0" u="none" strike="noStrike" dirty="0">
+                <a:solidFill>
+                  <a:schemeClr val="dk2"/>
+                </a:solidFill>
+                <a:uFillTx/>
+                <a:latin typeface="Source Code Pro"/>
+                <a:ea typeface="Source Code Pro"/>
+              </a:rPr>
+              <a:t>переведено в сс с основанием </a:t>
+            </a:r>
+            <a:r>
+              <a:rPr lang="en-US" sz="1800" b="0" u="none" strike="noStrike" dirty="0">
+                <a:solidFill>
+                  <a:schemeClr val="dk2"/>
+                </a:solidFill>
+                <a:uFillTx/>
+                <a:latin typeface="Source Code Pro"/>
+                <a:ea typeface="Source Code Pro"/>
+              </a:rPr>
+              <a:t>n</a:t>
+            </a:r>
+            <a:endParaRPr lang="ru-RU" sz="1800" b="0" u="none" strike="noStrike" dirty="0">
               <a:solidFill>
                 <a:schemeClr val="dk2"/>
               </a:solidFill>
@@ -8034,506 +8853,7 @@
 </p:sld>
 </file>
 
-<file path=ppt/slides/slide12.xml><?xml version="1.0" encoding="utf-8"?>
-<p:sld xmlns:a="http://schemas.openxmlformats.org/drawingml/2006/main" xmlns:r="http://schemas.openxmlformats.org/officeDocument/2006/relationships" xmlns:p="http://schemas.openxmlformats.org/presentationml/2006/main">
-  <p:cSld>
-    <p:spTree>
-      <p:nvGrpSpPr>
-        <p:cNvPr id="1" name="">
-          <a:extLst>
-            <a:ext uri="{FF2B5EF4-FFF2-40B4-BE49-F238E27FC236}">
-              <a16:creationId xmlns:a16="http://schemas.microsoft.com/office/drawing/2014/main" id="{0498662A-7D20-37C7-A77F-46BC3ABE4013}"/>
-            </a:ext>
-          </a:extLst>
-        </p:cNvPr>
-        <p:cNvGrpSpPr/>
-        <p:nvPr/>
-      </p:nvGrpSpPr>
-      <p:grpSpPr>
-        <a:xfrm>
-          <a:off x="0" y="0"/>
-          <a:ext cx="0" cy="0"/>
-          <a:chOff x="0" y="0"/>
-          <a:chExt cx="0" cy="0"/>
-        </a:xfrm>
-      </p:grpSpPr>
-      <p:sp>
-        <p:nvSpPr>
-          <p:cNvPr id="65" name="PlaceHolder 1">
-            <a:extLst>
-              <a:ext uri="{FF2B5EF4-FFF2-40B4-BE49-F238E27FC236}">
-                <a16:creationId xmlns:a16="http://schemas.microsoft.com/office/drawing/2014/main" id="{93E170A3-47F5-4262-1882-1A3483A7F071}"/>
-              </a:ext>
-            </a:extLst>
-          </p:cNvPr>
-          <p:cNvSpPr>
-            <a:spLocks noGrp="1"/>
-          </p:cNvSpPr>
-          <p:nvPr>
-            <p:ph type="title"/>
-          </p:nvPr>
-        </p:nvSpPr>
-        <p:spPr>
-          <a:xfrm>
-            <a:off x="311760" y="372600"/>
-            <a:ext cx="8520120" cy="733320"/>
-          </a:xfrm>
-          <a:prstGeom prst="rect">
-            <a:avLst/>
-          </a:prstGeom>
-          <a:noFill/>
-          <a:ln w="0">
-            <a:noFill/>
-          </a:ln>
-        </p:spPr>
-        <p:txBody>
-          <a:bodyPr lIns="91440" tIns="91440" rIns="91440" bIns="91440" anchor="b">
-            <a:normAutofit/>
-          </a:bodyPr>
-          <a:lstStyle/>
-          <a:p>
-            <a:pPr indent="0">
-              <a:lnSpc>
-                <a:spcPct val="100000"/>
-              </a:lnSpc>
-              <a:buNone/>
-              <a:tabLst>
-                <a:tab pos="0" algn="l"/>
-              </a:tabLst>
-            </a:pPr>
-            <a:r>
-              <a:rPr lang="ru" sz="3000" b="0" u="none" strike="noStrike" dirty="0">
-                <a:solidFill>
-                  <a:schemeClr val="dk2"/>
-                </a:solidFill>
-                <a:uFillTx/>
-                <a:latin typeface="Oswald"/>
-                <a:ea typeface="Oswald"/>
-              </a:rPr>
-              <a:t>Задача </a:t>
-            </a:r>
-            <a:r>
-              <a:rPr lang="en-US" sz="3000" b="0" u="none" strike="noStrike" dirty="0">
-                <a:solidFill>
-                  <a:schemeClr val="dk2"/>
-                </a:solidFill>
-                <a:uFillTx/>
-                <a:latin typeface="Oswald"/>
-                <a:ea typeface="Oswald"/>
-              </a:rPr>
-              <a:t>4</a:t>
-            </a:r>
-            <a:endParaRPr lang="ru-RU" sz="3000" b="0" u="none" strike="noStrike" dirty="0">
-              <a:solidFill>
-                <a:srgbClr val="000000"/>
-              </a:solidFill>
-              <a:uFillTx/>
-              <a:latin typeface="Arial"/>
-            </a:endParaRPr>
-          </a:p>
-        </p:txBody>
-      </p:sp>
-      <p:sp>
-        <p:nvSpPr>
-          <p:cNvPr id="66" name="PlaceHolder 2">
-            <a:extLst>
-              <a:ext uri="{FF2B5EF4-FFF2-40B4-BE49-F238E27FC236}">
-                <a16:creationId xmlns:a16="http://schemas.microsoft.com/office/drawing/2014/main" id="{395BA46D-6372-5BE1-9165-71ED9CA35B49}"/>
-              </a:ext>
-            </a:extLst>
-          </p:cNvPr>
-          <p:cNvSpPr>
-            <a:spLocks noGrp="1"/>
-          </p:cNvSpPr>
-          <p:nvPr>
-            <p:ph/>
-          </p:nvPr>
-        </p:nvSpPr>
-        <p:spPr>
-          <a:xfrm>
-            <a:off x="311760" y="1468800"/>
-            <a:ext cx="8520120" cy="3099600"/>
-          </a:xfrm>
-          <a:prstGeom prst="rect">
-            <a:avLst/>
-          </a:prstGeom>
-          <a:noFill/>
-          <a:ln w="0">
-            <a:noFill/>
-          </a:ln>
-        </p:spPr>
-        <p:txBody>
-          <a:bodyPr lIns="91440" tIns="91440" rIns="91440" bIns="91440" anchor="t">
-            <a:normAutofit/>
-          </a:bodyPr>
-          <a:lstStyle/>
-          <a:p>
-            <a:pPr indent="0">
-              <a:lnSpc>
-                <a:spcPct val="115000"/>
-              </a:lnSpc>
-              <a:spcAft>
-                <a:spcPts val="1199"/>
-              </a:spcAft>
-              <a:buNone/>
-              <a:tabLst>
-                <a:tab pos="0" algn="l"/>
-              </a:tabLst>
-            </a:pPr>
-            <a:r>
-              <a:rPr lang="ru-RU" sz="1800" b="0" u="none" strike="noStrike" dirty="0">
-                <a:solidFill>
-                  <a:schemeClr val="dk2"/>
-                </a:solidFill>
-                <a:uFillTx/>
-                <a:latin typeface="Source Code Pro"/>
-                <a:ea typeface="Source Code Pro"/>
-              </a:rPr>
-              <a:t>Значение арифметического выражения: </a:t>
-            </a:r>
-          </a:p>
-          <a:p>
-            <a:pPr indent="0">
-              <a:lnSpc>
-                <a:spcPct val="115000"/>
-              </a:lnSpc>
-              <a:spcAft>
-                <a:spcPts val="1199"/>
-              </a:spcAft>
-              <a:buNone/>
-              <a:tabLst>
-                <a:tab pos="0" algn="l"/>
-              </a:tabLst>
-            </a:pPr>
-            <a:r>
-              <a:rPr lang="ru-RU" sz="1800" b="1" u="none" strike="noStrike" dirty="0">
-                <a:solidFill>
-                  <a:schemeClr val="dk2"/>
-                </a:solidFill>
-                <a:uFillTx/>
-                <a:latin typeface="Source Code Pro"/>
-                <a:ea typeface="Source Code Pro"/>
-              </a:rPr>
-              <a:t>3*4</a:t>
-            </a:r>
-            <a:r>
-              <a:rPr lang="ru-RU" sz="1800" b="1" u="none" strike="noStrike" baseline="30000" dirty="0">
-                <a:solidFill>
-                  <a:schemeClr val="dk2"/>
-                </a:solidFill>
-                <a:uFillTx/>
-                <a:latin typeface="Source Code Pro"/>
-                <a:ea typeface="Source Code Pro"/>
-              </a:rPr>
-              <a:t>38</a:t>
-            </a:r>
-            <a:r>
-              <a:rPr lang="ru-RU" sz="1800" b="1" u="none" strike="noStrike" dirty="0">
-                <a:solidFill>
-                  <a:schemeClr val="dk2"/>
-                </a:solidFill>
-                <a:uFillTx/>
-                <a:latin typeface="Source Code Pro"/>
-                <a:ea typeface="Source Code Pro"/>
-              </a:rPr>
-              <a:t>+2*4</a:t>
-            </a:r>
-            <a:r>
-              <a:rPr lang="ru-RU" sz="1800" b="1" u="none" strike="noStrike" baseline="30000" dirty="0">
-                <a:solidFill>
-                  <a:schemeClr val="dk2"/>
-                </a:solidFill>
-                <a:uFillTx/>
-                <a:latin typeface="Source Code Pro"/>
-                <a:ea typeface="Source Code Pro"/>
-              </a:rPr>
-              <a:t>23</a:t>
-            </a:r>
-            <a:r>
-              <a:rPr lang="ru-RU" sz="1800" b="1" u="none" strike="noStrike" dirty="0">
-                <a:solidFill>
-                  <a:schemeClr val="dk2"/>
-                </a:solidFill>
-                <a:uFillTx/>
-                <a:latin typeface="Source Code Pro"/>
-                <a:ea typeface="Source Code Pro"/>
-              </a:rPr>
-              <a:t>+4</a:t>
-            </a:r>
-            <a:r>
-              <a:rPr lang="ru-RU" sz="1800" b="1" u="none" strike="noStrike" baseline="30000" dirty="0">
-                <a:solidFill>
-                  <a:schemeClr val="dk2"/>
-                </a:solidFill>
-                <a:uFillTx/>
-                <a:latin typeface="Source Code Pro"/>
-                <a:ea typeface="Source Code Pro"/>
-              </a:rPr>
-              <a:t>20</a:t>
-            </a:r>
-            <a:r>
-              <a:rPr lang="ru-RU" sz="1800" b="1" u="none" strike="noStrike" dirty="0">
-                <a:solidFill>
-                  <a:schemeClr val="dk2"/>
-                </a:solidFill>
-                <a:uFillTx/>
-                <a:latin typeface="Source Code Pro"/>
-                <a:ea typeface="Source Code Pro"/>
-              </a:rPr>
-              <a:t>+3*4</a:t>
-            </a:r>
-            <a:r>
-              <a:rPr lang="ru-RU" sz="1800" b="1" u="none" strike="noStrike" baseline="30000" dirty="0">
-                <a:solidFill>
-                  <a:schemeClr val="dk2"/>
-                </a:solidFill>
-                <a:uFillTx/>
-                <a:latin typeface="Source Code Pro"/>
-                <a:ea typeface="Source Code Pro"/>
-              </a:rPr>
-              <a:t>5</a:t>
-            </a:r>
-            <a:r>
-              <a:rPr lang="ru-RU" sz="1800" b="1" u="none" strike="noStrike" dirty="0">
-                <a:solidFill>
-                  <a:schemeClr val="dk2"/>
-                </a:solidFill>
-                <a:uFillTx/>
-                <a:latin typeface="Source Code Pro"/>
-                <a:ea typeface="Source Code Pro"/>
-              </a:rPr>
-              <a:t>+2*4</a:t>
-            </a:r>
-            <a:r>
-              <a:rPr lang="ru-RU" sz="1800" b="1" u="none" strike="noStrike" baseline="30000" dirty="0">
-                <a:solidFill>
-                  <a:schemeClr val="dk2"/>
-                </a:solidFill>
-                <a:uFillTx/>
-                <a:latin typeface="Source Code Pro"/>
-                <a:ea typeface="Source Code Pro"/>
-              </a:rPr>
-              <a:t>4</a:t>
-            </a:r>
-            <a:r>
-              <a:rPr lang="ru-RU" sz="1800" b="1" u="none" strike="noStrike" dirty="0">
-                <a:solidFill>
-                  <a:schemeClr val="dk2"/>
-                </a:solidFill>
-                <a:uFillTx/>
-                <a:latin typeface="Source Code Pro"/>
-                <a:ea typeface="Source Code Pro"/>
-              </a:rPr>
-              <a:t>+1</a:t>
-            </a:r>
-            <a:r>
-              <a:rPr lang="ru-RU" sz="1800" b="0" u="none" strike="noStrike" dirty="0">
-                <a:solidFill>
-                  <a:schemeClr val="dk2"/>
-                </a:solidFill>
-                <a:uFillTx/>
-                <a:latin typeface="Source Code Pro"/>
-                <a:ea typeface="Source Code Pro"/>
-              </a:rPr>
-              <a:t> – записали в системе счисления с основанием </a:t>
-            </a:r>
-            <a:r>
-              <a:rPr lang="en-US" sz="1800" b="0" u="none" strike="noStrike" dirty="0">
-                <a:solidFill>
-                  <a:schemeClr val="dk2"/>
-                </a:solidFill>
-                <a:uFillTx/>
-                <a:latin typeface="Source Code Pro"/>
-                <a:ea typeface="Source Code Pro"/>
-              </a:rPr>
-              <a:t>16</a:t>
-            </a:r>
-            <a:r>
-              <a:rPr lang="ru-RU" sz="1800" b="0" u="none" strike="noStrike" dirty="0">
-                <a:solidFill>
-                  <a:schemeClr val="dk2"/>
-                </a:solidFill>
-                <a:uFillTx/>
-                <a:latin typeface="Source Code Pro"/>
-                <a:ea typeface="Source Code Pro"/>
-              </a:rPr>
-              <a:t>. Сколько </a:t>
-            </a:r>
-            <a:r>
-              <a:rPr lang="ru-RU" sz="1800" dirty="0">
-                <a:solidFill>
-                  <a:schemeClr val="dk2"/>
-                </a:solidFill>
-                <a:latin typeface="Source Code Pro"/>
-                <a:ea typeface="Source Code Pro"/>
-              </a:rPr>
-              <a:t>значащих нулей </a:t>
-            </a:r>
-            <a:r>
-              <a:rPr lang="ru-RU" sz="1800" b="0" u="none" strike="noStrike" dirty="0">
-                <a:solidFill>
-                  <a:schemeClr val="dk2"/>
-                </a:solidFill>
-                <a:uFillTx/>
-                <a:latin typeface="Source Code Pro"/>
-                <a:ea typeface="Source Code Pro"/>
-              </a:rPr>
-              <a:t>содержится в этой записи?</a:t>
-            </a:r>
-          </a:p>
-        </p:txBody>
-      </p:sp>
-    </p:spTree>
-    <p:extLst>
-      <p:ext uri="{BB962C8B-B14F-4D97-AF65-F5344CB8AC3E}">
-        <p14:creationId xmlns:p14="http://schemas.microsoft.com/office/powerpoint/2010/main" val="1226390506"/>
-      </p:ext>
-    </p:extLst>
-  </p:cSld>
-  <p:clrMapOvr>
-    <a:masterClrMapping/>
-  </p:clrMapOvr>
-</p:sld>
-</file>
-
 <file path=ppt/slides/slide13.xml><?xml version="1.0" encoding="utf-8"?>
-<p:sld xmlns:a="http://schemas.openxmlformats.org/drawingml/2006/main" xmlns:r="http://schemas.openxmlformats.org/officeDocument/2006/relationships" xmlns:p="http://schemas.openxmlformats.org/presentationml/2006/main">
-  <p:cSld>
-    <p:spTree>
-      <p:nvGrpSpPr>
-        <p:cNvPr id="1" name="">
-          <a:extLst>
-            <a:ext uri="{FF2B5EF4-FFF2-40B4-BE49-F238E27FC236}">
-              <a16:creationId xmlns:a16="http://schemas.microsoft.com/office/drawing/2014/main" id="{F5CBA5A8-3536-E4BB-F7E8-17D24619B58D}"/>
-            </a:ext>
-          </a:extLst>
-        </p:cNvPr>
-        <p:cNvGrpSpPr/>
-        <p:nvPr/>
-      </p:nvGrpSpPr>
-      <p:grpSpPr>
-        <a:xfrm>
-          <a:off x="0" y="0"/>
-          <a:ext cx="0" cy="0"/>
-          <a:chOff x="0" y="0"/>
-          <a:chExt cx="0" cy="0"/>
-        </a:xfrm>
-      </p:grpSpPr>
-      <p:sp>
-        <p:nvSpPr>
-          <p:cNvPr id="63" name="PlaceHolder 1">
-            <a:extLst>
-              <a:ext uri="{FF2B5EF4-FFF2-40B4-BE49-F238E27FC236}">
-                <a16:creationId xmlns:a16="http://schemas.microsoft.com/office/drawing/2014/main" id="{9C5F5576-2886-D127-ECF2-DA56F6F5F6A5}"/>
-              </a:ext>
-            </a:extLst>
-          </p:cNvPr>
-          <p:cNvSpPr>
-            <a:spLocks noGrp="1"/>
-          </p:cNvSpPr>
-          <p:nvPr>
-            <p:ph type="title"/>
-          </p:nvPr>
-        </p:nvSpPr>
-        <p:spPr>
-          <a:xfrm>
-            <a:off x="311760" y="372600"/>
-            <a:ext cx="8520120" cy="733320"/>
-          </a:xfrm>
-          <a:prstGeom prst="rect">
-            <a:avLst/>
-          </a:prstGeom>
-          <a:noFill/>
-          <a:ln w="0">
-            <a:noFill/>
-          </a:ln>
-        </p:spPr>
-        <p:txBody>
-          <a:bodyPr lIns="91440" tIns="91440" rIns="91440" bIns="91440" anchor="b">
-            <a:normAutofit/>
-          </a:bodyPr>
-          <a:lstStyle/>
-          <a:p>
-            <a:pPr indent="0">
-              <a:buNone/>
-            </a:pPr>
-            <a:endParaRPr lang="ru-RU" sz="3000" b="0" u="none" strike="noStrike">
-              <a:solidFill>
-                <a:schemeClr val="dk2"/>
-              </a:solidFill>
-              <a:uFillTx/>
-              <a:latin typeface="Oswald"/>
-              <a:ea typeface="Oswald"/>
-            </a:endParaRPr>
-          </a:p>
-        </p:txBody>
-      </p:sp>
-      <p:sp>
-        <p:nvSpPr>
-          <p:cNvPr id="64" name="PlaceHolder 2">
-            <a:extLst>
-              <a:ext uri="{FF2B5EF4-FFF2-40B4-BE49-F238E27FC236}">
-                <a16:creationId xmlns:a16="http://schemas.microsoft.com/office/drawing/2014/main" id="{9A257120-E45B-9B90-3020-53685723433B}"/>
-              </a:ext>
-            </a:extLst>
-          </p:cNvPr>
-          <p:cNvSpPr>
-            <a:spLocks noGrp="1"/>
-          </p:cNvSpPr>
-          <p:nvPr>
-            <p:ph/>
-          </p:nvPr>
-        </p:nvSpPr>
-        <p:spPr>
-          <a:xfrm>
-            <a:off x="311760" y="1468800"/>
-            <a:ext cx="8520120" cy="3099600"/>
-          </a:xfrm>
-          <a:prstGeom prst="rect">
-            <a:avLst/>
-          </a:prstGeom>
-          <a:noFill/>
-          <a:ln w="0">
-            <a:noFill/>
-          </a:ln>
-        </p:spPr>
-        <p:txBody>
-          <a:bodyPr lIns="91440" tIns="91440" rIns="91440" bIns="91440" anchor="t">
-            <a:normAutofit/>
-          </a:bodyPr>
-          <a:lstStyle/>
-          <a:p>
-            <a:pPr indent="0">
-              <a:spcBef>
-                <a:spcPts val="1417"/>
-              </a:spcBef>
-              <a:buNone/>
-            </a:pPr>
-            <a:endParaRPr lang="ru-RU" sz="1800" b="0" u="none" strike="noStrike">
-              <a:solidFill>
-                <a:schemeClr val="dk2"/>
-              </a:solidFill>
-              <a:uFillTx/>
-              <a:latin typeface="Source Code Pro"/>
-              <a:ea typeface="Source Code Pro"/>
-            </a:endParaRPr>
-          </a:p>
-        </p:txBody>
-      </p:sp>
-    </p:spTree>
-    <p:extLst>
-      <p:ext uri="{BB962C8B-B14F-4D97-AF65-F5344CB8AC3E}">
-        <p14:creationId xmlns:p14="http://schemas.microsoft.com/office/powerpoint/2010/main" val="2288635354"/>
-      </p:ext>
-    </p:extLst>
-  </p:cSld>
-  <p:clrMapOvr>
-    <a:masterClrMapping/>
-  </p:clrMapOvr>
-</p:sld>
-</file>
-
-<file path=ppt/slides/slide14.xml><?xml version="1.0" encoding="utf-8"?>
 <p:sld xmlns:a="http://schemas.openxmlformats.org/drawingml/2006/main" xmlns:r="http://schemas.openxmlformats.org/officeDocument/2006/relationships" xmlns:p="http://schemas.openxmlformats.org/presentationml/2006/main">
   <p:cSld>
     <p:spTree>
@@ -8796,7 +9116,7 @@
 </p:sld>
 </file>
 
-<file path=ppt/slides/slide15.xml><?xml version="1.0" encoding="utf-8"?>
+<file path=ppt/slides/slide14.xml><?xml version="1.0" encoding="utf-8"?>
 <p:sld xmlns:a="http://schemas.openxmlformats.org/drawingml/2006/main" xmlns:r="http://schemas.openxmlformats.org/officeDocument/2006/relationships" xmlns:p="http://schemas.openxmlformats.org/presentationml/2006/main">
   <p:cSld>
     <p:spTree>
@@ -8978,7 +9298,7 @@
 </p:sld>
 </file>
 
-<file path=ppt/slides/slide16.xml><?xml version="1.0" encoding="utf-8"?>
+<file path=ppt/slides/slide15.xml><?xml version="1.0" encoding="utf-8"?>
 <p:sld xmlns:a="http://schemas.openxmlformats.org/drawingml/2006/main" xmlns:r="http://schemas.openxmlformats.org/officeDocument/2006/relationships" xmlns:p="http://schemas.openxmlformats.org/presentationml/2006/main">
   <p:cSld>
     <p:spTree>
@@ -9171,7 +9491,7 @@
 </p:sld>
 </file>
 
-<file path=ppt/slides/slide17.xml><?xml version="1.0" encoding="utf-8"?>
+<file path=ppt/slides/slide16.xml><?xml version="1.0" encoding="utf-8"?>
 <p:sld xmlns:a="http://schemas.openxmlformats.org/drawingml/2006/main" xmlns:r="http://schemas.openxmlformats.org/officeDocument/2006/relationships" xmlns:p="http://schemas.openxmlformats.org/presentationml/2006/main">
   <p:cSld>
     <p:spTree>
@@ -9392,7 +9712,7 @@
 </p:sld>
 </file>
 
-<file path=ppt/slides/slide18.xml><?xml version="1.0" encoding="utf-8"?>
+<file path=ppt/slides/slide17.xml><?xml version="1.0" encoding="utf-8"?>
 <p:sld xmlns:a="http://schemas.openxmlformats.org/drawingml/2006/main" xmlns:r="http://schemas.openxmlformats.org/officeDocument/2006/relationships" xmlns:p="http://schemas.openxmlformats.org/presentationml/2006/main">
   <p:cSld>
     <p:spTree>
@@ -9703,7 +10023,7 @@
 </p:sld>
 </file>
 
-<file path=ppt/slides/slide19.xml><?xml version="1.0" encoding="utf-8"?>
+<file path=ppt/slides/slide18.xml><?xml version="1.0" encoding="utf-8"?>
 <p:sld xmlns:a="http://schemas.openxmlformats.org/drawingml/2006/main" xmlns:r="http://schemas.openxmlformats.org/officeDocument/2006/relationships" xmlns:p="http://schemas.openxmlformats.org/presentationml/2006/main">
   <p:cSld>
     <p:spTree>
@@ -11876,6 +12196,152 @@
       </p:grpSpPr>
       <p:sp>
         <p:nvSpPr>
+          <p:cNvPr id="61" name="PlaceHolder 1"/>
+          <p:cNvSpPr>
+            <a:spLocks noGrp="1"/>
+          </p:cNvSpPr>
+          <p:nvPr>
+            <p:ph type="title"/>
+          </p:nvPr>
+        </p:nvSpPr>
+        <p:spPr>
+          <a:xfrm>
+            <a:off x="311760" y="372600"/>
+            <a:ext cx="8520120" cy="733320"/>
+          </a:xfrm>
+          <a:prstGeom prst="rect">
+            <a:avLst/>
+          </a:prstGeom>
+          <a:noFill/>
+          <a:ln w="0">
+            <a:noFill/>
+          </a:ln>
+        </p:spPr>
+        <p:txBody>
+          <a:bodyPr lIns="91440" tIns="91440" rIns="91440" bIns="91440" anchor="b">
+            <a:normAutofit/>
+          </a:bodyPr>
+          <a:lstStyle/>
+          <a:p>
+            <a:pPr indent="0">
+              <a:lnSpc>
+                <a:spcPct val="100000"/>
+              </a:lnSpc>
+              <a:buNone/>
+              <a:tabLst>
+                <a:tab pos="0" algn="l"/>
+              </a:tabLst>
+            </a:pPr>
+            <a:r>
+              <a:rPr lang="ru" sz="3000" b="0" u="none" strike="noStrike">
+                <a:solidFill>
+                  <a:schemeClr val="dk2"/>
+                </a:solidFill>
+                <a:uFillTx/>
+                <a:latin typeface="Oswald"/>
+                <a:ea typeface="Oswald"/>
+              </a:rPr>
+              <a:t>Задача 2</a:t>
+            </a:r>
+            <a:endParaRPr lang="ru-RU" sz="3000" b="0" u="none" strike="noStrike">
+              <a:solidFill>
+                <a:srgbClr val="000000"/>
+              </a:solidFill>
+              <a:uFillTx/>
+              <a:latin typeface="Arial"/>
+            </a:endParaRPr>
+          </a:p>
+        </p:txBody>
+      </p:sp>
+      <p:sp>
+        <p:nvSpPr>
+          <p:cNvPr id="62" name="PlaceHolder 2"/>
+          <p:cNvSpPr>
+            <a:spLocks noGrp="1"/>
+          </p:cNvSpPr>
+          <p:nvPr>
+            <p:ph/>
+          </p:nvPr>
+        </p:nvSpPr>
+        <p:spPr>
+          <a:xfrm>
+            <a:off x="311760" y="1468800"/>
+            <a:ext cx="8520120" cy="3099600"/>
+          </a:xfrm>
+          <a:prstGeom prst="rect">
+            <a:avLst/>
+          </a:prstGeom>
+          <a:noFill/>
+          <a:ln w="0">
+            <a:noFill/>
+          </a:ln>
+        </p:spPr>
+        <p:txBody>
+          <a:bodyPr lIns="91440" tIns="91440" rIns="91440" bIns="91440" anchor="t">
+            <a:normAutofit/>
+          </a:bodyPr>
+          <a:lstStyle/>
+          <a:p>
+            <a:pPr indent="0">
+              <a:lnSpc>
+                <a:spcPct val="115000"/>
+              </a:lnSpc>
+              <a:spcAft>
+                <a:spcPts val="1199"/>
+              </a:spcAft>
+              <a:buNone/>
+              <a:tabLst>
+                <a:tab pos="0" algn="l"/>
+              </a:tabLst>
+            </a:pPr>
+            <a:r>
+              <a:rPr lang="ru" sz="1800" b="0" u="none" strike="noStrike">
+                <a:solidFill>
+                  <a:schemeClr val="dk2"/>
+                </a:solidFill>
+                <a:uFillTx/>
+                <a:latin typeface="Source Code Pro"/>
+                <a:ea typeface="Source Code Pro"/>
+              </a:rPr>
+              <a:t>Прибор автоматической фиксации нарушений правил дорожного движения делает фотографии размером 1024 x 768 пикселей, используя палитру из 4096 цветов. Для передачи снимки группируются в пакеты по 256 штук. Определите максимальный размер одного пакета фотографий в Мбайтах.</a:t>
+            </a:r>
+            <a:endParaRPr lang="ru-RU" sz="1800" b="0" u="none" strike="noStrike">
+              <a:solidFill>
+                <a:srgbClr val="000000"/>
+              </a:solidFill>
+              <a:uFillTx/>
+              <a:latin typeface="Arial"/>
+            </a:endParaRPr>
+          </a:p>
+        </p:txBody>
+      </p:sp>
+    </p:spTree>
+  </p:cSld>
+  <p:clrMapOvr>
+    <a:masterClrMapping/>
+  </p:clrMapOvr>
+</p:sld>
+</file>
+
+<file path=ppt/slides/slide8.xml><?xml version="1.0" encoding="utf-8"?>
+<p:sld xmlns:a="http://schemas.openxmlformats.org/drawingml/2006/main" xmlns:r="http://schemas.openxmlformats.org/officeDocument/2006/relationships" xmlns:p="http://schemas.openxmlformats.org/presentationml/2006/main">
+  <p:cSld>
+    <p:spTree>
+      <p:nvGrpSpPr>
+        <p:cNvPr id="1" name=""/>
+        <p:cNvGrpSpPr/>
+        <p:nvPr/>
+      </p:nvGrpSpPr>
+      <p:grpSpPr>
+        <a:xfrm>
+          <a:off x="0" y="0"/>
+          <a:ext cx="0" cy="0"/>
+          <a:chOff x="0" y="0"/>
+          <a:chExt cx="0" cy="0"/>
+        </a:xfrm>
+      </p:grpSpPr>
+      <p:sp>
+        <p:nvSpPr>
           <p:cNvPr id="59" name="PlaceHolder 1"/>
           <p:cNvSpPr>
             <a:spLocks noGrp="1"/>
@@ -11899,21 +12365,24 @@
         </p:spPr>
         <p:txBody>
           <a:bodyPr lIns="91440" tIns="91440" rIns="91440" bIns="91440" anchor="b">
-            <a:normAutofit fontScale="85000" lnSpcReduction="9999"/>
+            <a:normAutofit/>
           </a:bodyPr>
           <a:lstStyle/>
           <a:p>
             <a:pPr indent="0">
               <a:buNone/>
             </a:pPr>
-            <a:endParaRPr lang="ru-RU" sz="3000" b="0" u="none" strike="noStrike">
-              <a:solidFill>
-                <a:schemeClr val="dk2"/>
-              </a:solidFill>
-              <a:uFillTx/>
-              <a:latin typeface="Oswald"/>
-              <a:ea typeface="Oswald"/>
-            </a:endParaRPr>
+            <a:r>
+              <a:rPr lang="ru-RU" sz="3000" b="0" u="none" strike="noStrike" dirty="0">
+                <a:solidFill>
+                  <a:schemeClr val="dk2"/>
+                </a:solidFill>
+                <a:uFillTx/>
+                <a:latin typeface="Oswald"/>
+                <a:ea typeface="Oswald"/>
+              </a:rPr>
+              <a:t>Формулы для кодирования изображений </a:t>
+            </a:r>
           </a:p>
         </p:txBody>
       </p:sp>
@@ -11952,160 +12421,194 @@
               </a:spcBef>
               <a:buNone/>
             </a:pPr>
-            <a:endParaRPr lang="ru-RU" sz="1800" b="0" u="none" strike="noStrike">
+            <a:r>
+              <a:rPr lang="ru-RU" sz="3600" b="0" u="none" strike="noStrike" dirty="0">
+                <a:solidFill>
+                  <a:schemeClr val="dk2"/>
+                </a:solidFill>
+                <a:uFillTx/>
+                <a:latin typeface="Oswald" panose="00000500000000000000" pitchFamily="2" charset="-52"/>
+                <a:ea typeface="Source Code Pro"/>
+              </a:rPr>
+              <a:t>2</a:t>
+            </a:r>
+            <a:r>
+              <a:rPr lang="en-US" sz="3600" b="0" u="none" strike="noStrike" baseline="30000" dirty="0" err="1">
+                <a:solidFill>
+                  <a:schemeClr val="dk2"/>
+                </a:solidFill>
+                <a:uFillTx/>
+                <a:latin typeface="Oswald" panose="00000500000000000000" pitchFamily="2" charset="-52"/>
+                <a:ea typeface="Source Code Pro"/>
+              </a:rPr>
+              <a:t>i</a:t>
+            </a:r>
+            <a:r>
+              <a:rPr lang="en-US" sz="3600" dirty="0">
+                <a:solidFill>
+                  <a:schemeClr val="dk2"/>
+                </a:solidFill>
+                <a:latin typeface="Oswald" panose="00000500000000000000" pitchFamily="2" charset="-52"/>
+                <a:ea typeface="Source Code Pro"/>
+              </a:rPr>
+              <a:t>=N </a:t>
+            </a:r>
+            <a:r>
+              <a:rPr lang="ru-RU" sz="3600" dirty="0">
+                <a:solidFill>
+                  <a:schemeClr val="dk2"/>
+                </a:solidFill>
+                <a:latin typeface="Oswald" panose="00000500000000000000" pitchFamily="2" charset="-52"/>
+                <a:ea typeface="Source Code Pro"/>
+              </a:rPr>
+              <a:t>, где </a:t>
+            </a:r>
+            <a:r>
+              <a:rPr lang="en-US" sz="3600" dirty="0">
+                <a:solidFill>
+                  <a:schemeClr val="dk2"/>
+                </a:solidFill>
+                <a:latin typeface="Oswald" panose="00000500000000000000" pitchFamily="2" charset="-52"/>
+                <a:ea typeface="Source Code Pro"/>
+              </a:rPr>
+              <a:t>N – </a:t>
+            </a:r>
+            <a:r>
+              <a:rPr lang="ru-RU" sz="3600" dirty="0">
+                <a:solidFill>
+                  <a:schemeClr val="dk2"/>
+                </a:solidFill>
+                <a:latin typeface="Oswald" panose="00000500000000000000" pitchFamily="2" charset="-52"/>
+                <a:ea typeface="Source Code Pro"/>
+              </a:rPr>
+              <a:t>кол-во цветов в палитре, </a:t>
+            </a:r>
+            <a:r>
+              <a:rPr lang="en-US" sz="3600" dirty="0" err="1">
+                <a:solidFill>
+                  <a:schemeClr val="dk2"/>
+                </a:solidFill>
+                <a:latin typeface="Oswald" panose="00000500000000000000" pitchFamily="2" charset="-52"/>
+                <a:ea typeface="Source Code Pro"/>
+              </a:rPr>
+              <a:t>i</a:t>
+            </a:r>
+            <a:r>
+              <a:rPr lang="en-US" sz="3600" dirty="0">
+                <a:solidFill>
+                  <a:schemeClr val="dk2"/>
+                </a:solidFill>
+                <a:latin typeface="Oswald" panose="00000500000000000000" pitchFamily="2" charset="-52"/>
+                <a:ea typeface="Source Code Pro"/>
+              </a:rPr>
+              <a:t> </a:t>
+            </a:r>
+            <a:r>
+              <a:rPr lang="ru-RU" sz="3600" dirty="0">
+                <a:solidFill>
+                  <a:schemeClr val="dk2"/>
+                </a:solidFill>
+                <a:latin typeface="Oswald" panose="00000500000000000000" pitchFamily="2" charset="-52"/>
+                <a:ea typeface="Source Code Pro"/>
+              </a:rPr>
+              <a:t>– бит на 1 цвет.</a:t>
+            </a:r>
+            <a:endParaRPr lang="en-US" sz="3600" dirty="0">
               <a:solidFill>
                 <a:schemeClr val="dk2"/>
               </a:solidFill>
-              <a:uFillTx/>
-              <a:latin typeface="Source Code Pro"/>
+              <a:latin typeface="Oswald" panose="00000500000000000000" pitchFamily="2" charset="-52"/>
               <a:ea typeface="Source Code Pro"/>
             </a:endParaRPr>
           </a:p>
-        </p:txBody>
-      </p:sp>
-    </p:spTree>
-  </p:cSld>
-  <p:clrMapOvr>
-    <a:masterClrMapping/>
-  </p:clrMapOvr>
-</p:sld>
-</file>
-
-<file path=ppt/slides/slide8.xml><?xml version="1.0" encoding="utf-8"?>
-<p:sld xmlns:a="http://schemas.openxmlformats.org/drawingml/2006/main" xmlns:r="http://schemas.openxmlformats.org/officeDocument/2006/relationships" xmlns:p="http://schemas.openxmlformats.org/presentationml/2006/main">
-  <p:cSld>
-    <p:spTree>
-      <p:nvGrpSpPr>
-        <p:cNvPr id="1" name=""/>
-        <p:cNvGrpSpPr/>
-        <p:nvPr/>
-      </p:nvGrpSpPr>
-      <p:grpSpPr>
-        <a:xfrm>
-          <a:off x="0" y="0"/>
-          <a:ext cx="0" cy="0"/>
-          <a:chOff x="0" y="0"/>
-          <a:chExt cx="0" cy="0"/>
-        </a:xfrm>
-      </p:grpSpPr>
-      <p:sp>
-        <p:nvSpPr>
-          <p:cNvPr id="61" name="PlaceHolder 1"/>
-          <p:cNvSpPr>
-            <a:spLocks noGrp="1"/>
-          </p:cNvSpPr>
-          <p:nvPr>
-            <p:ph type="title"/>
-          </p:nvPr>
-        </p:nvSpPr>
-        <p:spPr>
-          <a:xfrm>
-            <a:off x="311760" y="372600"/>
-            <a:ext cx="8520120" cy="733320"/>
-          </a:xfrm>
-          <a:prstGeom prst="rect">
-            <a:avLst/>
-          </a:prstGeom>
-          <a:noFill/>
-          <a:ln w="0">
-            <a:noFill/>
-          </a:ln>
-        </p:spPr>
-        <p:txBody>
-          <a:bodyPr lIns="91440" tIns="91440" rIns="91440" bIns="91440" anchor="b">
-            <a:normAutofit/>
-          </a:bodyPr>
-          <a:lstStyle/>
           <a:p>
             <a:pPr indent="0">
-              <a:lnSpc>
-                <a:spcPct val="100000"/>
-              </a:lnSpc>
+              <a:spcBef>
+                <a:spcPts val="1417"/>
+              </a:spcBef>
               <a:buNone/>
-              <a:tabLst>
-                <a:tab pos="0" algn="l"/>
-              </a:tabLst>
-            </a:pPr>
-            <a:r>
-              <a:rPr lang="ru" sz="3000" b="0" u="none" strike="noStrike">
+            </a:pPr>
+            <a:endParaRPr lang="ru-RU" sz="3600" dirty="0">
+              <a:solidFill>
+                <a:schemeClr val="dk2"/>
+              </a:solidFill>
+              <a:latin typeface="Oswald" panose="00000500000000000000" pitchFamily="2" charset="-52"/>
+              <a:ea typeface="Source Code Pro"/>
+            </a:endParaRPr>
+          </a:p>
+          <a:p>
+            <a:pPr indent="0">
+              <a:spcBef>
+                <a:spcPts val="1417"/>
+              </a:spcBef>
+              <a:buNone/>
+            </a:pPr>
+            <a:r>
+              <a:rPr lang="en-US" sz="5400" b="0" u="none" strike="noStrike" baseline="30000" dirty="0">
                 <a:solidFill>
                   <a:schemeClr val="dk2"/>
                 </a:solidFill>
                 <a:uFillTx/>
-                <a:latin typeface="Oswald"/>
-                <a:ea typeface="Oswald"/>
-              </a:rPr>
-              <a:t>Задача 2</a:t>
-            </a:r>
-            <a:endParaRPr lang="ru-RU" sz="3000" b="0" u="none" strike="noStrike">
-              <a:solidFill>
-                <a:srgbClr val="000000"/>
-              </a:solidFill>
-              <a:uFillTx/>
-              <a:latin typeface="Arial"/>
-            </a:endParaRPr>
-          </a:p>
-        </p:txBody>
-      </p:sp>
-      <p:sp>
-        <p:nvSpPr>
-          <p:cNvPr id="62" name="PlaceHolder 2"/>
-          <p:cNvSpPr>
-            <a:spLocks noGrp="1"/>
-          </p:cNvSpPr>
-          <p:nvPr>
-            <p:ph/>
-          </p:nvPr>
-        </p:nvSpPr>
-        <p:spPr>
-          <a:xfrm>
-            <a:off x="311760" y="1468800"/>
-            <a:ext cx="8520120" cy="3099600"/>
-          </a:xfrm>
-          <a:prstGeom prst="rect">
-            <a:avLst/>
-          </a:prstGeom>
-          <a:noFill/>
-          <a:ln w="0">
-            <a:noFill/>
-          </a:ln>
-        </p:spPr>
-        <p:txBody>
-          <a:bodyPr lIns="91440" tIns="91440" rIns="91440" bIns="91440" anchor="t">
-            <a:normAutofit/>
-          </a:bodyPr>
-          <a:lstStyle/>
-          <a:p>
-            <a:pPr indent="0">
-              <a:lnSpc>
-                <a:spcPct val="115000"/>
-              </a:lnSpc>
-              <a:spcAft>
-                <a:spcPts val="1199"/>
-              </a:spcAft>
-              <a:buNone/>
-              <a:tabLst>
-                <a:tab pos="0" algn="l"/>
-              </a:tabLst>
-            </a:pPr>
-            <a:r>
-              <a:rPr lang="ru" sz="1800" b="0" u="none" strike="noStrike">
+                <a:latin typeface="Oswald" panose="00000500000000000000" pitchFamily="2" charset="-52"/>
+                <a:ea typeface="Source Code Pro"/>
+              </a:rPr>
+              <a:t>I=k*</a:t>
+            </a:r>
+            <a:r>
+              <a:rPr lang="en-US" sz="5400" b="0" u="none" strike="noStrike" baseline="30000" dirty="0" err="1">
                 <a:solidFill>
                   <a:schemeClr val="dk2"/>
                 </a:solidFill>
                 <a:uFillTx/>
-                <a:latin typeface="Source Code Pro"/>
+                <a:latin typeface="Oswald" panose="00000500000000000000" pitchFamily="2" charset="-52"/>
                 <a:ea typeface="Source Code Pro"/>
               </a:rPr>
-              <a:t>Прибор автоматической фиксации нарушений правил дорожного движения делает фотографии размером 1024 x 768 пикселей, используя палитру из 4096 цветов. Для передачи снимки группируются в пакеты по 256 штук. Определите максимальный размер одного пакета фотографий в Мбайтах.</a:t>
-            </a:r>
-            <a:endParaRPr lang="ru-RU" sz="1800" b="0" u="none" strike="noStrike">
-              <a:solidFill>
-                <a:srgbClr val="000000"/>
-              </a:solidFill>
-              <a:uFillTx/>
-              <a:latin typeface="Arial"/>
-            </a:endParaRPr>
+              <a:t>i</a:t>
+            </a:r>
+            <a:r>
+              <a:rPr lang="en-US" sz="5400" b="0" u="none" strike="noStrike" baseline="30000" dirty="0">
+                <a:solidFill>
+                  <a:schemeClr val="dk2"/>
+                </a:solidFill>
+                <a:uFillTx/>
+                <a:latin typeface="Oswald" panose="00000500000000000000" pitchFamily="2" charset="-52"/>
+                <a:ea typeface="Source Code Pro"/>
+              </a:rPr>
+              <a:t> </a:t>
+            </a:r>
+            <a:r>
+              <a:rPr lang="ru-RU" sz="5400" b="0" u="none" strike="noStrike" baseline="30000" dirty="0">
+                <a:solidFill>
+                  <a:schemeClr val="dk2"/>
+                </a:solidFill>
+                <a:uFillTx/>
+                <a:latin typeface="Oswald" panose="00000500000000000000" pitchFamily="2" charset="-52"/>
+                <a:ea typeface="Source Code Pro"/>
+              </a:rPr>
+              <a:t>, где </a:t>
+            </a:r>
+            <a:r>
+              <a:rPr lang="en-US" sz="5400" b="0" u="none" strike="noStrike" baseline="30000" dirty="0">
+                <a:solidFill>
+                  <a:schemeClr val="dk2"/>
+                </a:solidFill>
+                <a:uFillTx/>
+                <a:latin typeface="Oswald" panose="00000500000000000000" pitchFamily="2" charset="-52"/>
+                <a:ea typeface="Source Code Pro"/>
+              </a:rPr>
+              <a:t>k – </a:t>
+            </a:r>
+            <a:r>
+              <a:rPr lang="ru-RU" sz="5400" b="0" u="none" strike="noStrike" baseline="30000" dirty="0">
+                <a:solidFill>
+                  <a:schemeClr val="dk2"/>
+                </a:solidFill>
+                <a:uFillTx/>
+                <a:latin typeface="Oswald" panose="00000500000000000000" pitchFamily="2" charset="-52"/>
+                <a:ea typeface="Source Code Pro"/>
+              </a:rPr>
+              <a:t>количество пикселей (то есть ширина * длину изображения)</a:t>
+            </a:r>
           </a:p>
         </p:txBody>
       </p:sp>
@@ -12136,7 +12639,7 @@
       </p:grpSpPr>
       <p:sp>
         <p:nvSpPr>
-          <p:cNvPr id="63" name="PlaceHolder 1"/>
+          <p:cNvPr id="65" name="PlaceHolder 1"/>
           <p:cNvSpPr>
             <a:spLocks noGrp="1"/>
           </p:cNvSpPr>
@@ -12159,27 +12662,43 @@
         </p:spPr>
         <p:txBody>
           <a:bodyPr lIns="91440" tIns="91440" rIns="91440" bIns="91440" anchor="b">
-            <a:normAutofit fontScale="85000" lnSpcReduction="9999"/>
+            <a:normAutofit/>
           </a:bodyPr>
           <a:lstStyle/>
           <a:p>
             <a:pPr indent="0">
+              <a:lnSpc>
+                <a:spcPct val="100000"/>
+              </a:lnSpc>
               <a:buNone/>
-            </a:pPr>
+              <a:tabLst>
+                <a:tab pos="0" algn="l"/>
+              </a:tabLst>
+            </a:pPr>
+            <a:r>
+              <a:rPr lang="ru" sz="3000" b="0" u="none" strike="noStrike">
+                <a:solidFill>
+                  <a:schemeClr val="dk2"/>
+                </a:solidFill>
+                <a:uFillTx/>
+                <a:latin typeface="Oswald"/>
+                <a:ea typeface="Oswald"/>
+              </a:rPr>
+              <a:t>Задача 3</a:t>
+            </a:r>
             <a:endParaRPr lang="ru-RU" sz="3000" b="0" u="none" strike="noStrike">
               <a:solidFill>
-                <a:schemeClr val="dk2"/>
+                <a:srgbClr val="000000"/>
               </a:solidFill>
               <a:uFillTx/>
-              <a:latin typeface="Oswald"/>
-              <a:ea typeface="Oswald"/>
+              <a:latin typeface="Arial"/>
             </a:endParaRPr>
           </a:p>
         </p:txBody>
       </p:sp>
       <p:sp>
         <p:nvSpPr>
-          <p:cNvPr id="64" name="PlaceHolder 2"/>
+          <p:cNvPr id="66" name="PlaceHolder 2"/>
           <p:cNvSpPr>
             <a:spLocks noGrp="1"/>
           </p:cNvSpPr>
@@ -12207,18 +12726,34 @@
           <a:lstStyle/>
           <a:p>
             <a:pPr indent="0">
-              <a:spcBef>
-                <a:spcPts val="1417"/>
-              </a:spcBef>
+              <a:lnSpc>
+                <a:spcPct val="115000"/>
+              </a:lnSpc>
+              <a:spcAft>
+                <a:spcPts val="1199"/>
+              </a:spcAft>
               <a:buNone/>
-            </a:pPr>
+              <a:tabLst>
+                <a:tab pos="0" algn="l"/>
+              </a:tabLst>
+            </a:pPr>
+            <a:r>
+              <a:rPr lang="ru" sz="1800" b="0" u="none" strike="noStrike">
+                <a:solidFill>
+                  <a:schemeClr val="dk2"/>
+                </a:solidFill>
+                <a:uFillTx/>
+                <a:latin typeface="Source Code Pro"/>
+                <a:ea typeface="Source Code Pro"/>
+              </a:rPr>
+              <a:t>Производилась двухканальная (стерео) звукозапись с частотой дискретизации 44.1 кГц и 24-битным разрешением. В результате был получен файл размером 136 Мбайт, без учета размера заголовка и без сжатия данных. Определите длительность(в минутах). В качестве ответа укажите ближайшее к времени записи целое число.</a:t>
+            </a:r>
             <a:endParaRPr lang="ru-RU" sz="1800" b="0" u="none" strike="noStrike">
               <a:solidFill>
-                <a:schemeClr val="dk2"/>
+                <a:srgbClr val="000000"/>
               </a:solidFill>
               <a:uFillTx/>
-              <a:latin typeface="Source Code Pro"/>
-              <a:ea typeface="Source Code Pro"/>
+              <a:latin typeface="Arial"/>
             </a:endParaRPr>
           </a:p>
         </p:txBody>
